--- a/User_story/Industry Partner.pptx
+++ b/User_story/Industry Partner.pptx
@@ -5,12 +5,9 @@
     <p:sldMasterId id="2147483648" r:id="rId1"/>
   </p:sldMasterIdLst>
   <p:sldIdLst>
-    <p:sldId id="264" r:id="rId2"/>
-    <p:sldId id="265" r:id="rId3"/>
-    <p:sldId id="257" r:id="rId4"/>
-    <p:sldId id="258" r:id="rId5"/>
-    <p:sldId id="259" r:id="rId6"/>
-    <p:sldId id="260" r:id="rId7"/>
+    <p:sldId id="266" r:id="rId2"/>
+    <p:sldId id="264" r:id="rId3"/>
+    <p:sldId id="265" r:id="rId4"/>
   </p:sldIdLst>
   <p:sldSz cx="12192000" cy="6858000"/>
   <p:notesSz cx="6858000" cy="9144000"/>
@@ -109,6 +106,11 @@
       </a:defRPr>
     </a:lvl9pPr>
   </p:defaultTextStyle>
+  <p:extLst>
+    <p:ext uri="{EFAFB233-063F-42B5-8137-9DF3F51BA10A}">
+      <p15:sldGuideLst xmlns:p15="http://schemas.microsoft.com/office/powerpoint/2012/main"/>
+    </p:ext>
+  </p:extLst>
 </p:presentation>
 </file>
 
@@ -263,7 +265,7 @@
           <a:p>
             <a:fld id="{227F6E9F-91C5-4C9C-A064-BC4C8160CDF3}" type="datetimeFigureOut">
               <a:rPr lang="ko-KR" altLang="en-US" smtClean="0"/>
-              <a:t>2017-09-07</a:t>
+              <a:t>2017-09-10</a:t>
             </a:fld>
             <a:endParaRPr lang="ko-KR" altLang="en-US"/>
           </a:p>
@@ -461,7 +463,7 @@
           <a:p>
             <a:fld id="{227F6E9F-91C5-4C9C-A064-BC4C8160CDF3}" type="datetimeFigureOut">
               <a:rPr lang="ko-KR" altLang="en-US" smtClean="0"/>
-              <a:t>2017-09-07</a:t>
+              <a:t>2017-09-10</a:t>
             </a:fld>
             <a:endParaRPr lang="ko-KR" altLang="en-US"/>
           </a:p>
@@ -669,7 +671,7 @@
           <a:p>
             <a:fld id="{227F6E9F-91C5-4C9C-A064-BC4C8160CDF3}" type="datetimeFigureOut">
               <a:rPr lang="ko-KR" altLang="en-US" smtClean="0"/>
-              <a:t>2017-09-07</a:t>
+              <a:t>2017-09-10</a:t>
             </a:fld>
             <a:endParaRPr lang="ko-KR" altLang="en-US"/>
           </a:p>
@@ -867,7 +869,7 @@
           <a:p>
             <a:fld id="{227F6E9F-91C5-4C9C-A064-BC4C8160CDF3}" type="datetimeFigureOut">
               <a:rPr lang="ko-KR" altLang="en-US" smtClean="0"/>
-              <a:t>2017-09-07</a:t>
+              <a:t>2017-09-10</a:t>
             </a:fld>
             <a:endParaRPr lang="ko-KR" altLang="en-US"/>
           </a:p>
@@ -1142,7 +1144,7 @@
           <a:p>
             <a:fld id="{227F6E9F-91C5-4C9C-A064-BC4C8160CDF3}" type="datetimeFigureOut">
               <a:rPr lang="ko-KR" altLang="en-US" smtClean="0"/>
-              <a:t>2017-09-07</a:t>
+              <a:t>2017-09-10</a:t>
             </a:fld>
             <a:endParaRPr lang="ko-KR" altLang="en-US"/>
           </a:p>
@@ -1407,7 +1409,7 @@
           <a:p>
             <a:fld id="{227F6E9F-91C5-4C9C-A064-BC4C8160CDF3}" type="datetimeFigureOut">
               <a:rPr lang="ko-KR" altLang="en-US" smtClean="0"/>
-              <a:t>2017-09-07</a:t>
+              <a:t>2017-09-10</a:t>
             </a:fld>
             <a:endParaRPr lang="ko-KR" altLang="en-US"/>
           </a:p>
@@ -1819,7 +1821,7 @@
           <a:p>
             <a:fld id="{227F6E9F-91C5-4C9C-A064-BC4C8160CDF3}" type="datetimeFigureOut">
               <a:rPr lang="ko-KR" altLang="en-US" smtClean="0"/>
-              <a:t>2017-09-07</a:t>
+              <a:t>2017-09-10</a:t>
             </a:fld>
             <a:endParaRPr lang="ko-KR" altLang="en-US"/>
           </a:p>
@@ -1960,7 +1962,7 @@
           <a:p>
             <a:fld id="{227F6E9F-91C5-4C9C-A064-BC4C8160CDF3}" type="datetimeFigureOut">
               <a:rPr lang="ko-KR" altLang="en-US" smtClean="0"/>
-              <a:t>2017-09-07</a:t>
+              <a:t>2017-09-10</a:t>
             </a:fld>
             <a:endParaRPr lang="ko-KR" altLang="en-US"/>
           </a:p>
@@ -2073,7 +2075,7 @@
           <a:p>
             <a:fld id="{227F6E9F-91C5-4C9C-A064-BC4C8160CDF3}" type="datetimeFigureOut">
               <a:rPr lang="ko-KR" altLang="en-US" smtClean="0"/>
-              <a:t>2017-09-07</a:t>
+              <a:t>2017-09-10</a:t>
             </a:fld>
             <a:endParaRPr lang="ko-KR" altLang="en-US"/>
           </a:p>
@@ -2384,7 +2386,7 @@
           <a:p>
             <a:fld id="{227F6E9F-91C5-4C9C-A064-BC4C8160CDF3}" type="datetimeFigureOut">
               <a:rPr lang="ko-KR" altLang="en-US" smtClean="0"/>
-              <a:t>2017-09-07</a:t>
+              <a:t>2017-09-10</a:t>
             </a:fld>
             <a:endParaRPr lang="ko-KR" altLang="en-US"/>
           </a:p>
@@ -2672,7 +2674,7 @@
           <a:p>
             <a:fld id="{227F6E9F-91C5-4C9C-A064-BC4C8160CDF3}" type="datetimeFigureOut">
               <a:rPr lang="ko-KR" altLang="en-US" smtClean="0"/>
-              <a:t>2017-09-07</a:t>
+              <a:t>2017-09-10</a:t>
             </a:fld>
             <a:endParaRPr lang="ko-KR" altLang="en-US"/>
           </a:p>
@@ -2913,7 +2915,7 @@
           <a:p>
             <a:fld id="{227F6E9F-91C5-4C9C-A064-BC4C8160CDF3}" type="datetimeFigureOut">
               <a:rPr lang="ko-KR" altLang="en-US" smtClean="0"/>
-              <a:t>2017-09-07</a:t>
+              <a:t>2017-09-10</a:t>
             </a:fld>
             <a:endParaRPr lang="ko-KR" altLang="en-US"/>
           </a:p>
@@ -3435,7 +3437,7 @@
             <a:pPr algn="ctr"/>
             <a:r>
               <a:rPr lang="en-AU" sz="2800" dirty="0"/>
-              <a:t>Post information</a:t>
+              <a:t>Log on</a:t>
             </a:r>
           </a:p>
         </p:txBody>
@@ -3494,7 +3496,7 @@
                   <a:schemeClr val="tx1"/>
                 </a:solidFill>
               </a:rPr>
-              <a:t>As the industry partner, I want to be able to post information about our project and update changes to be viewed by capstone students. </a:t>
+              <a:t>As the industry partner, I want to be able to log on to the web-based system.</a:t>
             </a:r>
             <a:endParaRPr lang="en-AU" sz="2400" dirty="0">
               <a:solidFill>
@@ -3572,7 +3574,7 @@
                   <a:schemeClr val="tx1"/>
                 </a:solidFill>
               </a:rPr>
-              <a:t> The industry partner has authorization to log on to the system. </a:t>
+              <a:t> The industry partner has owner account to log on.</a:t>
             </a:r>
           </a:p>
         </p:txBody>
@@ -3772,7 +3774,7 @@
                   <a:schemeClr val="tx1"/>
                 </a:solidFill>
               </a:rPr>
-              <a:t> Needs a detailed explanation about project</a:t>
+              <a:t> </a:t>
             </a:r>
           </a:p>
         </p:txBody>
@@ -3780,7 +3782,7 @@
     </p:spTree>
     <p:extLst>
       <p:ext uri="{BB962C8B-B14F-4D97-AF65-F5344CB8AC3E}">
-        <p14:creationId xmlns:p14="http://schemas.microsoft.com/office/powerpoint/2010/main" val="3261240586"/>
+        <p14:creationId xmlns:p14="http://schemas.microsoft.com/office/powerpoint/2010/main" val="2361882018"/>
       </p:ext>
     </p:extLst>
   </p:cSld>
@@ -3912,7 +3914,7 @@
             <a:pPr algn="ctr"/>
             <a:r>
               <a:rPr lang="en-AU" sz="2800" dirty="0"/>
-              <a:t>Cover letter &amp; Resume</a:t>
+              <a:t>Post information</a:t>
             </a:r>
           </a:p>
         </p:txBody>
@@ -3971,7 +3973,7 @@
                   <a:schemeClr val="tx1"/>
                 </a:solidFill>
               </a:rPr>
-              <a:t>As the industry partner, I want to be able to get an appropriate cover letter and resume so that I can know our project applicants in detail.</a:t>
+              <a:t>As the industry partner, I want to be able to post information about our project and update changes to be viewed by capstone students. </a:t>
             </a:r>
             <a:endParaRPr lang="en-AU" sz="2400" dirty="0">
               <a:solidFill>
@@ -4049,7 +4051,7 @@
                   <a:schemeClr val="tx1"/>
                 </a:solidFill>
               </a:rPr>
-              <a:t> School could teach how to make Cover letter and Resume.</a:t>
+              <a:t> The industry partner has authorization to log on to the system. </a:t>
             </a:r>
           </a:p>
         </p:txBody>
@@ -4249,7 +4251,7 @@
                   <a:schemeClr val="tx1"/>
                 </a:solidFill>
               </a:rPr>
-              <a:t> The cover letter and resume could include the fabrication information.</a:t>
+              <a:t> Needs a detailed explanation about project</a:t>
             </a:r>
           </a:p>
         </p:txBody>
@@ -4257,7 +4259,7 @@
     </p:spTree>
     <p:extLst>
       <p:ext uri="{BB962C8B-B14F-4D97-AF65-F5344CB8AC3E}">
-        <p14:creationId xmlns:p14="http://schemas.microsoft.com/office/powerpoint/2010/main" val="1227255159"/>
+        <p14:creationId xmlns:p14="http://schemas.microsoft.com/office/powerpoint/2010/main" val="3261240586"/>
       </p:ext>
     </p:extLst>
   </p:cSld>
@@ -4389,7 +4391,7 @@
             <a:pPr algn="ctr"/>
             <a:r>
               <a:rPr lang="en-AU" sz="2800" dirty="0"/>
-              <a:t>Find the development team</a:t>
+              <a:t>View application</a:t>
             </a:r>
           </a:p>
         </p:txBody>
@@ -4443,13 +4445,18 @@
           <a:lstStyle/>
           <a:p>
             <a:r>
-              <a:rPr lang="en-AU" sz="2400" dirty="0">
+              <a:rPr lang="en-AU" altLang="ko-KR" sz="2400" dirty="0">
                 <a:solidFill>
                   <a:schemeClr val="tx1"/>
                 </a:solidFill>
               </a:rPr>
-              <a:t>As the industry partner, I need to be able to find suitable capstone project students so that I can assign jobs to students.</a:t>
-            </a:r>
+              <a:t>As the industry partner, I want to be able to view an appropriate cover letter and resume so that I can know our project applicants in detail.</a:t>
+            </a:r>
+            <a:endParaRPr lang="en-AU" sz="2400" dirty="0">
+              <a:solidFill>
+                <a:schemeClr val="tx1"/>
+              </a:solidFill>
+            </a:endParaRPr>
           </a:p>
         </p:txBody>
       </p:sp>
@@ -4521,7 +4528,7 @@
                   <a:schemeClr val="tx1"/>
                 </a:solidFill>
               </a:rPr>
-              <a:t> Students should show their cover latter and resume.</a:t>
+              <a:t> School could teach how to make Cover letter and Resume.</a:t>
             </a:r>
           </a:p>
         </p:txBody>
@@ -4721,7 +4728,7 @@
                   <a:schemeClr val="tx1"/>
                 </a:solidFill>
               </a:rPr>
-              <a:t> Everyone can apply project. </a:t>
+              <a:t> The cover letter and resume could include the fabrication information.</a:t>
             </a:r>
           </a:p>
         </p:txBody>
@@ -4729,1462 +4736,7 @@
     </p:spTree>
     <p:extLst>
       <p:ext uri="{BB962C8B-B14F-4D97-AF65-F5344CB8AC3E}">
-        <p14:creationId xmlns:p14="http://schemas.microsoft.com/office/powerpoint/2010/main" val="2057065496"/>
-      </p:ext>
-    </p:extLst>
-  </p:cSld>
-  <p:clrMapOvr>
-    <a:masterClrMapping/>
-  </p:clrMapOvr>
-</p:sld>
-</file>
-
-<file path=ppt/slides/slide4.xml><?xml version="1.0" encoding="utf-8"?>
-<p:sld xmlns:a="http://schemas.openxmlformats.org/drawingml/2006/main" xmlns:r="http://schemas.openxmlformats.org/officeDocument/2006/relationships" xmlns:p="http://schemas.openxmlformats.org/presentationml/2006/main">
-  <p:cSld>
-    <p:spTree>
-      <p:nvGrpSpPr>
-        <p:cNvPr id="1" name=""/>
-        <p:cNvGrpSpPr/>
-        <p:nvPr/>
-      </p:nvGrpSpPr>
-      <p:grpSpPr>
-        <a:xfrm>
-          <a:off x="0" y="0"/>
-          <a:ext cx="0" cy="0"/>
-          <a:chOff x="0" y="0"/>
-          <a:chExt cx="0" cy="0"/>
-        </a:xfrm>
-      </p:grpSpPr>
-      <p:sp>
-        <p:nvSpPr>
-          <p:cNvPr id="4" name="Rectangle 3"/>
-          <p:cNvSpPr/>
-          <p:nvPr/>
-        </p:nvSpPr>
-        <p:spPr>
-          <a:xfrm>
-            <a:off x="1182153" y="109410"/>
-            <a:ext cx="720000" cy="540000"/>
-          </a:xfrm>
-          <a:prstGeom prst="rect">
-            <a:avLst/>
-          </a:prstGeom>
-          <a:solidFill>
-            <a:schemeClr val="accent1">
-              <a:lumMod val="40000"/>
-              <a:lumOff val="60000"/>
-            </a:schemeClr>
-          </a:solidFill>
-          <a:ln>
-            <a:solidFill>
-              <a:schemeClr val="accent1">
-                <a:lumMod val="50000"/>
-              </a:schemeClr>
-            </a:solidFill>
-          </a:ln>
-        </p:spPr>
-        <p:style>
-          <a:lnRef idx="2">
-            <a:schemeClr val="accent1">
-              <a:shade val="50000"/>
-            </a:schemeClr>
-          </a:lnRef>
-          <a:fillRef idx="1">
-            <a:schemeClr val="accent1"/>
-          </a:fillRef>
-          <a:effectRef idx="0">
-            <a:schemeClr val="accent1"/>
-          </a:effectRef>
-          <a:fontRef idx="minor">
-            <a:schemeClr val="lt1"/>
-          </a:fontRef>
-        </p:style>
-        <p:txBody>
-          <a:bodyPr wrap="square" lIns="0" rIns="0" rtlCol="0" anchor="ctr"/>
-          <a:lstStyle/>
-          <a:p>
-            <a:pPr algn="ctr"/>
-            <a:r>
-              <a:rPr lang="en-AU" sz="2000" dirty="0">
-                <a:solidFill>
-                  <a:schemeClr val="tx1"/>
-                </a:solidFill>
-              </a:rPr>
-              <a:t>Story ID 3</a:t>
-            </a:r>
-          </a:p>
-        </p:txBody>
-      </p:sp>
-      <p:sp>
-        <p:nvSpPr>
-          <p:cNvPr id="6" name="Rectangle 5"/>
-          <p:cNvSpPr/>
-          <p:nvPr/>
-        </p:nvSpPr>
-        <p:spPr>
-          <a:xfrm>
-            <a:off x="1974153" y="109410"/>
-            <a:ext cx="7380000" cy="540000"/>
-          </a:xfrm>
-          <a:prstGeom prst="rect">
-            <a:avLst/>
-          </a:prstGeom>
-          <a:ln>
-            <a:solidFill>
-              <a:schemeClr val="accent1">
-                <a:lumMod val="50000"/>
-              </a:schemeClr>
-            </a:solidFill>
-          </a:ln>
-        </p:spPr>
-        <p:style>
-          <a:lnRef idx="2">
-            <a:schemeClr val="accent1">
-              <a:shade val="50000"/>
-            </a:schemeClr>
-          </a:lnRef>
-          <a:fillRef idx="1">
-            <a:schemeClr val="accent1"/>
-          </a:fillRef>
-          <a:effectRef idx="0">
-            <a:schemeClr val="accent1"/>
-          </a:effectRef>
-          <a:fontRef idx="minor">
-            <a:schemeClr val="lt1"/>
-          </a:fontRef>
-        </p:style>
-        <p:txBody>
-          <a:bodyPr rtlCol="0" anchor="ctr"/>
-          <a:lstStyle/>
-          <a:p>
-            <a:pPr algn="ctr"/>
-            <a:r>
-              <a:rPr lang="en-AU" sz="2800" dirty="0"/>
-              <a:t>Industry partner access  </a:t>
-            </a:r>
-          </a:p>
-        </p:txBody>
-      </p:sp>
-      <p:sp>
-        <p:nvSpPr>
-          <p:cNvPr id="7" name="Rectangle 6"/>
-          <p:cNvSpPr/>
-          <p:nvPr/>
-        </p:nvSpPr>
-        <p:spPr>
-          <a:xfrm>
-            <a:off x="1182153" y="822470"/>
-            <a:ext cx="9828000" cy="2340000"/>
-          </a:xfrm>
-          <a:prstGeom prst="rect">
-            <a:avLst/>
-          </a:prstGeom>
-          <a:solidFill>
-            <a:schemeClr val="tx2">
-              <a:lumMod val="20000"/>
-              <a:lumOff val="80000"/>
-            </a:schemeClr>
-          </a:solidFill>
-          <a:ln>
-            <a:solidFill>
-              <a:schemeClr val="accent1">
-                <a:lumMod val="50000"/>
-              </a:schemeClr>
-            </a:solidFill>
-          </a:ln>
-        </p:spPr>
-        <p:style>
-          <a:lnRef idx="2">
-            <a:schemeClr val="accent1">
-              <a:shade val="50000"/>
-            </a:schemeClr>
-          </a:lnRef>
-          <a:fillRef idx="1">
-            <a:schemeClr val="accent1"/>
-          </a:fillRef>
-          <a:effectRef idx="0">
-            <a:schemeClr val="accent1"/>
-          </a:effectRef>
-          <a:fontRef idx="minor">
-            <a:schemeClr val="lt1"/>
-          </a:fontRef>
-        </p:style>
-        <p:txBody>
-          <a:bodyPr rtlCol="0" anchor="t" anchorCtr="0"/>
-          <a:lstStyle/>
-          <a:p>
-            <a:r>
-              <a:rPr lang="en-AU" altLang="ko-KR" sz="2400" dirty="0">
-                <a:solidFill>
-                  <a:schemeClr val="tx1"/>
-                </a:solidFill>
-              </a:rPr>
-              <a:t>As the industry partner, I want to be able to access to personal student information such as GPA, Email, Major and so on.</a:t>
-            </a:r>
-            <a:endParaRPr lang="en-AU" sz="2400" dirty="0">
-              <a:solidFill>
-                <a:schemeClr val="tx1"/>
-              </a:solidFill>
-            </a:endParaRPr>
-          </a:p>
-        </p:txBody>
-      </p:sp>
-      <p:sp>
-        <p:nvSpPr>
-          <p:cNvPr id="8" name="Rectangle 7"/>
-          <p:cNvSpPr/>
-          <p:nvPr/>
-        </p:nvSpPr>
-        <p:spPr>
-          <a:xfrm>
-            <a:off x="1182153" y="3335530"/>
-            <a:ext cx="9828000" cy="1620000"/>
-          </a:xfrm>
-          <a:prstGeom prst="rect">
-            <a:avLst/>
-          </a:prstGeom>
-          <a:solidFill>
-            <a:schemeClr val="accent1">
-              <a:lumMod val="20000"/>
-              <a:lumOff val="80000"/>
-            </a:schemeClr>
-          </a:solidFill>
-          <a:ln>
-            <a:solidFill>
-              <a:schemeClr val="accent1">
-                <a:lumMod val="50000"/>
-              </a:schemeClr>
-            </a:solidFill>
-          </a:ln>
-        </p:spPr>
-        <p:style>
-          <a:lnRef idx="2">
-            <a:schemeClr val="accent1">
-              <a:shade val="50000"/>
-            </a:schemeClr>
-          </a:lnRef>
-          <a:fillRef idx="1">
-            <a:schemeClr val="accent1"/>
-          </a:fillRef>
-          <a:effectRef idx="0">
-            <a:schemeClr val="accent1"/>
-          </a:effectRef>
-          <a:fontRef idx="minor">
-            <a:schemeClr val="lt1"/>
-          </a:fontRef>
-        </p:style>
-        <p:txBody>
-          <a:bodyPr tIns="36000" rtlCol="0" anchor="t" anchorCtr="0"/>
-          <a:lstStyle/>
-          <a:p>
-            <a:r>
-              <a:rPr lang="en-AU" sz="2000" dirty="0">
-                <a:solidFill>
-                  <a:schemeClr val="tx1"/>
-                </a:solidFill>
-              </a:rPr>
-              <a:t>Acceptance Criteria</a:t>
-            </a:r>
-          </a:p>
-          <a:p>
-            <a:pPr marL="179388" indent="-179388">
-              <a:buFont typeface="Arial" pitchFamily="34" charset="0"/>
-              <a:buChar char="•"/>
-            </a:pPr>
-            <a:r>
-              <a:rPr lang="en-AU" sz="2000" dirty="0">
-                <a:solidFill>
-                  <a:schemeClr val="tx1"/>
-                </a:solidFill>
-              </a:rPr>
-              <a:t> </a:t>
-            </a:r>
-            <a:r>
-              <a:rPr lang="en-AU" altLang="ko-KR" sz="2000" dirty="0">
-                <a:solidFill>
-                  <a:schemeClr val="tx1"/>
-                </a:solidFill>
-              </a:rPr>
-              <a:t>The industry partner has authorization to log on to the system.</a:t>
-            </a:r>
-            <a:endParaRPr lang="en-AU" sz="2000" dirty="0">
-              <a:solidFill>
-                <a:schemeClr val="tx1"/>
-              </a:solidFill>
-            </a:endParaRPr>
-          </a:p>
-        </p:txBody>
-      </p:sp>
-      <p:sp>
-        <p:nvSpPr>
-          <p:cNvPr id="11" name="Rectangle 10"/>
-          <p:cNvSpPr/>
-          <p:nvPr/>
-        </p:nvSpPr>
-        <p:spPr>
-          <a:xfrm>
-            <a:off x="10290153" y="109410"/>
-            <a:ext cx="720000" cy="540000"/>
-          </a:xfrm>
-          <a:prstGeom prst="rect">
-            <a:avLst/>
-          </a:prstGeom>
-          <a:solidFill>
-            <a:srgbClr val="CCF0CD">
-              <a:alpha val="20000"/>
-            </a:srgbClr>
-          </a:solidFill>
-          <a:ln>
-            <a:solidFill>
-              <a:schemeClr val="accent1">
-                <a:lumMod val="50000"/>
-              </a:schemeClr>
-            </a:solidFill>
-          </a:ln>
-        </p:spPr>
-        <p:style>
-          <a:lnRef idx="2">
-            <a:schemeClr val="accent1">
-              <a:shade val="50000"/>
-            </a:schemeClr>
-          </a:lnRef>
-          <a:fillRef idx="1">
-            <a:schemeClr val="accent1"/>
-          </a:fillRef>
-          <a:effectRef idx="0">
-            <a:schemeClr val="accent1"/>
-          </a:effectRef>
-          <a:fontRef idx="minor">
-            <a:schemeClr val="lt1"/>
-          </a:fontRef>
-        </p:style>
-        <p:txBody>
-          <a:bodyPr wrap="square" lIns="0" rIns="0" rtlCol="0" anchor="ctr"/>
-          <a:lstStyle/>
-          <a:p>
-            <a:pPr algn="ctr"/>
-            <a:r>
-              <a:rPr lang="en-AU" sz="2000" dirty="0">
-                <a:solidFill>
-                  <a:schemeClr val="tx1"/>
-                </a:solidFill>
-              </a:rPr>
-              <a:t>Story Points</a:t>
-            </a:r>
-          </a:p>
-        </p:txBody>
-      </p:sp>
-      <p:sp>
-        <p:nvSpPr>
-          <p:cNvPr id="12" name="Rectangle 11"/>
-          <p:cNvSpPr/>
-          <p:nvPr/>
-        </p:nvSpPr>
-        <p:spPr>
-          <a:xfrm>
-            <a:off x="9426153" y="109410"/>
-            <a:ext cx="792000" cy="540000"/>
-          </a:xfrm>
-          <a:prstGeom prst="rect">
-            <a:avLst/>
-          </a:prstGeom>
-          <a:solidFill>
-            <a:schemeClr val="accent4">
-              <a:lumMod val="20000"/>
-              <a:lumOff val="80000"/>
-            </a:schemeClr>
-          </a:solidFill>
-          <a:ln>
-            <a:solidFill>
-              <a:schemeClr val="accent1">
-                <a:lumMod val="50000"/>
-              </a:schemeClr>
-            </a:solidFill>
-          </a:ln>
-        </p:spPr>
-        <p:style>
-          <a:lnRef idx="2">
-            <a:schemeClr val="accent1">
-              <a:shade val="50000"/>
-            </a:schemeClr>
-          </a:lnRef>
-          <a:fillRef idx="1">
-            <a:schemeClr val="accent1"/>
-          </a:fillRef>
-          <a:effectRef idx="0">
-            <a:schemeClr val="accent1"/>
-          </a:effectRef>
-          <a:fontRef idx="minor">
-            <a:schemeClr val="lt1"/>
-          </a:fontRef>
-        </p:style>
-        <p:txBody>
-          <a:bodyPr wrap="none" lIns="0" rIns="0" rtlCol="0" anchor="ctr"/>
-          <a:lstStyle/>
-          <a:p>
-            <a:pPr algn="ctr"/>
-            <a:r>
-              <a:rPr lang="en-AU" sz="2000" dirty="0">
-                <a:solidFill>
-                  <a:schemeClr val="tx1"/>
-                </a:solidFill>
-              </a:rPr>
-              <a:t>Priority</a:t>
-            </a:r>
-          </a:p>
-          <a:p>
-            <a:pPr algn="ctr"/>
-            <a:r>
-              <a:rPr lang="en-AU" sz="2000" dirty="0">
-                <a:solidFill>
-                  <a:schemeClr val="tx1"/>
-                </a:solidFill>
-              </a:rPr>
-              <a:t>S</a:t>
-            </a:r>
-          </a:p>
-        </p:txBody>
-      </p:sp>
-      <p:sp>
-        <p:nvSpPr>
-          <p:cNvPr id="13" name="Rectangle 12"/>
-          <p:cNvSpPr/>
-          <p:nvPr/>
-        </p:nvSpPr>
-        <p:spPr>
-          <a:xfrm>
-            <a:off x="1182153" y="5128590"/>
-            <a:ext cx="9828000" cy="1620000"/>
-          </a:xfrm>
-          <a:prstGeom prst="rect">
-            <a:avLst/>
-          </a:prstGeom>
-          <a:solidFill>
-            <a:schemeClr val="bg1"/>
-          </a:solidFill>
-          <a:ln>
-            <a:solidFill>
-              <a:schemeClr val="accent1">
-                <a:lumMod val="50000"/>
-              </a:schemeClr>
-            </a:solidFill>
-          </a:ln>
-        </p:spPr>
-        <p:style>
-          <a:lnRef idx="2">
-            <a:schemeClr val="accent1">
-              <a:shade val="50000"/>
-            </a:schemeClr>
-          </a:lnRef>
-          <a:fillRef idx="1">
-            <a:schemeClr val="accent1"/>
-          </a:fillRef>
-          <a:effectRef idx="0">
-            <a:schemeClr val="accent1"/>
-          </a:effectRef>
-          <a:fontRef idx="minor">
-            <a:schemeClr val="lt1"/>
-          </a:fontRef>
-        </p:style>
-        <p:txBody>
-          <a:bodyPr tIns="36000" rtlCol="0" anchor="t" anchorCtr="0"/>
-          <a:lstStyle/>
-          <a:p>
-            <a:r>
-              <a:rPr lang="en-AU" sz="2000" dirty="0">
-                <a:solidFill>
-                  <a:schemeClr val="tx1"/>
-                </a:solidFill>
-              </a:rPr>
-              <a:t>Notes</a:t>
-            </a:r>
-          </a:p>
-          <a:p>
-            <a:pPr marL="179388" indent="-179388">
-              <a:buFont typeface="Arial" pitchFamily="34" charset="0"/>
-              <a:buChar char="•"/>
-            </a:pPr>
-            <a:r>
-              <a:rPr lang="en-AU" sz="2000" dirty="0">
-                <a:solidFill>
-                  <a:schemeClr val="tx1"/>
-                </a:solidFill>
-              </a:rPr>
-              <a:t> Only access to student information to find suitable partner.</a:t>
-            </a:r>
-          </a:p>
-        </p:txBody>
-      </p:sp>
-    </p:spTree>
-    <p:extLst>
-      <p:ext uri="{BB962C8B-B14F-4D97-AF65-F5344CB8AC3E}">
-        <p14:creationId xmlns:p14="http://schemas.microsoft.com/office/powerpoint/2010/main" val="1474390963"/>
-      </p:ext>
-    </p:extLst>
-  </p:cSld>
-  <p:clrMapOvr>
-    <a:masterClrMapping/>
-  </p:clrMapOvr>
-</p:sld>
-</file>
-
-<file path=ppt/slides/slide5.xml><?xml version="1.0" encoding="utf-8"?>
-<p:sld xmlns:a="http://schemas.openxmlformats.org/drawingml/2006/main" xmlns:r="http://schemas.openxmlformats.org/officeDocument/2006/relationships" xmlns:p="http://schemas.openxmlformats.org/presentationml/2006/main">
-  <p:cSld>
-    <p:spTree>
-      <p:nvGrpSpPr>
-        <p:cNvPr id="1" name=""/>
-        <p:cNvGrpSpPr/>
-        <p:nvPr/>
-      </p:nvGrpSpPr>
-      <p:grpSpPr>
-        <a:xfrm>
-          <a:off x="0" y="0"/>
-          <a:ext cx="0" cy="0"/>
-          <a:chOff x="0" y="0"/>
-          <a:chExt cx="0" cy="0"/>
-        </a:xfrm>
-      </p:grpSpPr>
-      <p:sp>
-        <p:nvSpPr>
-          <p:cNvPr id="4" name="Rectangle 3"/>
-          <p:cNvSpPr/>
-          <p:nvPr/>
-        </p:nvSpPr>
-        <p:spPr>
-          <a:xfrm>
-            <a:off x="1182153" y="109410"/>
-            <a:ext cx="720000" cy="540000"/>
-          </a:xfrm>
-          <a:prstGeom prst="rect">
-            <a:avLst/>
-          </a:prstGeom>
-          <a:solidFill>
-            <a:schemeClr val="accent1">
-              <a:lumMod val="40000"/>
-              <a:lumOff val="60000"/>
-            </a:schemeClr>
-          </a:solidFill>
-          <a:ln>
-            <a:solidFill>
-              <a:schemeClr val="accent1">
-                <a:lumMod val="50000"/>
-              </a:schemeClr>
-            </a:solidFill>
-          </a:ln>
-        </p:spPr>
-        <p:style>
-          <a:lnRef idx="2">
-            <a:schemeClr val="accent1">
-              <a:shade val="50000"/>
-            </a:schemeClr>
-          </a:lnRef>
-          <a:fillRef idx="1">
-            <a:schemeClr val="accent1"/>
-          </a:fillRef>
-          <a:effectRef idx="0">
-            <a:schemeClr val="accent1"/>
-          </a:effectRef>
-          <a:fontRef idx="minor">
-            <a:schemeClr val="lt1"/>
-          </a:fontRef>
-        </p:style>
-        <p:txBody>
-          <a:bodyPr wrap="square" lIns="0" rIns="0" rtlCol="0" anchor="ctr"/>
-          <a:lstStyle/>
-          <a:p>
-            <a:pPr algn="ctr"/>
-            <a:r>
-              <a:rPr lang="en-AU" sz="2000" dirty="0">
-                <a:solidFill>
-                  <a:schemeClr val="tx1"/>
-                </a:solidFill>
-              </a:rPr>
-              <a:t>Story ID 4</a:t>
-            </a:r>
-          </a:p>
-        </p:txBody>
-      </p:sp>
-      <p:sp>
-        <p:nvSpPr>
-          <p:cNvPr id="6" name="Rectangle 5"/>
-          <p:cNvSpPr/>
-          <p:nvPr/>
-        </p:nvSpPr>
-        <p:spPr>
-          <a:xfrm>
-            <a:off x="1974153" y="109410"/>
-            <a:ext cx="7380000" cy="540000"/>
-          </a:xfrm>
-          <a:prstGeom prst="rect">
-            <a:avLst/>
-          </a:prstGeom>
-          <a:ln>
-            <a:solidFill>
-              <a:schemeClr val="accent1">
-                <a:lumMod val="50000"/>
-              </a:schemeClr>
-            </a:solidFill>
-          </a:ln>
-        </p:spPr>
-        <p:style>
-          <a:lnRef idx="2">
-            <a:schemeClr val="accent1">
-              <a:shade val="50000"/>
-            </a:schemeClr>
-          </a:lnRef>
-          <a:fillRef idx="1">
-            <a:schemeClr val="accent1"/>
-          </a:fillRef>
-          <a:effectRef idx="0">
-            <a:schemeClr val="accent1"/>
-          </a:effectRef>
-          <a:fontRef idx="minor">
-            <a:schemeClr val="lt1"/>
-          </a:fontRef>
-        </p:style>
-        <p:txBody>
-          <a:bodyPr rtlCol="0" anchor="ctr"/>
-          <a:lstStyle/>
-          <a:p>
-            <a:pPr algn="ctr"/>
-            <a:r>
-              <a:rPr lang="en-AU" sz="2800" dirty="0"/>
-              <a:t>View the project progress</a:t>
-            </a:r>
-          </a:p>
-        </p:txBody>
-      </p:sp>
-      <p:sp>
-        <p:nvSpPr>
-          <p:cNvPr id="7" name="Rectangle 6"/>
-          <p:cNvSpPr/>
-          <p:nvPr/>
-        </p:nvSpPr>
-        <p:spPr>
-          <a:xfrm>
-            <a:off x="1182153" y="822470"/>
-            <a:ext cx="9828000" cy="2340000"/>
-          </a:xfrm>
-          <a:prstGeom prst="rect">
-            <a:avLst/>
-          </a:prstGeom>
-          <a:solidFill>
-            <a:schemeClr val="tx2">
-              <a:lumMod val="20000"/>
-              <a:lumOff val="80000"/>
-            </a:schemeClr>
-          </a:solidFill>
-          <a:ln>
-            <a:solidFill>
-              <a:schemeClr val="accent1">
-                <a:lumMod val="50000"/>
-              </a:schemeClr>
-            </a:solidFill>
-          </a:ln>
-        </p:spPr>
-        <p:style>
-          <a:lnRef idx="2">
-            <a:schemeClr val="accent1">
-              <a:shade val="50000"/>
-            </a:schemeClr>
-          </a:lnRef>
-          <a:fillRef idx="1">
-            <a:schemeClr val="accent1"/>
-          </a:fillRef>
-          <a:effectRef idx="0">
-            <a:schemeClr val="accent1"/>
-          </a:effectRef>
-          <a:fontRef idx="minor">
-            <a:schemeClr val="lt1"/>
-          </a:fontRef>
-        </p:style>
-        <p:txBody>
-          <a:bodyPr rtlCol="0" anchor="t" anchorCtr="0"/>
-          <a:lstStyle/>
-          <a:p>
-            <a:r>
-              <a:rPr lang="en-AU" altLang="ko-KR" sz="2400" dirty="0">
-                <a:solidFill>
-                  <a:schemeClr val="tx1"/>
-                </a:solidFill>
-              </a:rPr>
-              <a:t>As the industry partner, I wish to be able to see the progress of the project so that I can view the process of project progress.</a:t>
-            </a:r>
-            <a:endParaRPr lang="en-AU" sz="2400" dirty="0">
-              <a:solidFill>
-                <a:schemeClr val="tx1"/>
-              </a:solidFill>
-            </a:endParaRPr>
-          </a:p>
-        </p:txBody>
-      </p:sp>
-      <p:sp>
-        <p:nvSpPr>
-          <p:cNvPr id="8" name="Rectangle 7"/>
-          <p:cNvSpPr/>
-          <p:nvPr/>
-        </p:nvSpPr>
-        <p:spPr>
-          <a:xfrm>
-            <a:off x="1182153" y="3319488"/>
-            <a:ext cx="9828000" cy="1620000"/>
-          </a:xfrm>
-          <a:prstGeom prst="rect">
-            <a:avLst/>
-          </a:prstGeom>
-          <a:solidFill>
-            <a:schemeClr val="accent1">
-              <a:lumMod val="20000"/>
-              <a:lumOff val="80000"/>
-            </a:schemeClr>
-          </a:solidFill>
-          <a:ln>
-            <a:solidFill>
-              <a:schemeClr val="accent1">
-                <a:lumMod val="50000"/>
-              </a:schemeClr>
-            </a:solidFill>
-          </a:ln>
-        </p:spPr>
-        <p:style>
-          <a:lnRef idx="2">
-            <a:schemeClr val="accent1">
-              <a:shade val="50000"/>
-            </a:schemeClr>
-          </a:lnRef>
-          <a:fillRef idx="1">
-            <a:schemeClr val="accent1"/>
-          </a:fillRef>
-          <a:effectRef idx="0">
-            <a:schemeClr val="accent1"/>
-          </a:effectRef>
-          <a:fontRef idx="minor">
-            <a:schemeClr val="lt1"/>
-          </a:fontRef>
-        </p:style>
-        <p:txBody>
-          <a:bodyPr tIns="36000" rtlCol="0" anchor="t" anchorCtr="0"/>
-          <a:lstStyle/>
-          <a:p>
-            <a:r>
-              <a:rPr lang="en-AU" sz="2000" dirty="0">
-                <a:solidFill>
-                  <a:schemeClr val="tx1"/>
-                </a:solidFill>
-              </a:rPr>
-              <a:t>Acceptance Criteria</a:t>
-            </a:r>
-          </a:p>
-          <a:p>
-            <a:pPr marL="179388" indent="-179388">
-              <a:buFont typeface="Arial" pitchFamily="34" charset="0"/>
-              <a:buChar char="•"/>
-            </a:pPr>
-            <a:r>
-              <a:rPr lang="en-AU" sz="2000" dirty="0">
-                <a:solidFill>
-                  <a:schemeClr val="tx1"/>
-                </a:solidFill>
-              </a:rPr>
-              <a:t> Development team can invite a industry partner to the Git or group page in the Facebook.</a:t>
-            </a:r>
-          </a:p>
-        </p:txBody>
-      </p:sp>
-      <p:sp>
-        <p:nvSpPr>
-          <p:cNvPr id="11" name="Rectangle 10"/>
-          <p:cNvSpPr/>
-          <p:nvPr/>
-        </p:nvSpPr>
-        <p:spPr>
-          <a:xfrm>
-            <a:off x="10290153" y="109410"/>
-            <a:ext cx="720000" cy="540000"/>
-          </a:xfrm>
-          <a:prstGeom prst="rect">
-            <a:avLst/>
-          </a:prstGeom>
-          <a:solidFill>
-            <a:srgbClr val="CCF0CD">
-              <a:alpha val="20000"/>
-            </a:srgbClr>
-          </a:solidFill>
-          <a:ln>
-            <a:solidFill>
-              <a:schemeClr val="accent1">
-                <a:lumMod val="50000"/>
-              </a:schemeClr>
-            </a:solidFill>
-          </a:ln>
-        </p:spPr>
-        <p:style>
-          <a:lnRef idx="2">
-            <a:schemeClr val="accent1">
-              <a:shade val="50000"/>
-            </a:schemeClr>
-          </a:lnRef>
-          <a:fillRef idx="1">
-            <a:schemeClr val="accent1"/>
-          </a:fillRef>
-          <a:effectRef idx="0">
-            <a:schemeClr val="accent1"/>
-          </a:effectRef>
-          <a:fontRef idx="minor">
-            <a:schemeClr val="lt1"/>
-          </a:fontRef>
-        </p:style>
-        <p:txBody>
-          <a:bodyPr wrap="square" lIns="0" rIns="0" rtlCol="0" anchor="ctr"/>
-          <a:lstStyle/>
-          <a:p>
-            <a:pPr algn="ctr"/>
-            <a:r>
-              <a:rPr lang="en-AU" sz="2000" dirty="0">
-                <a:solidFill>
-                  <a:schemeClr val="tx1"/>
-                </a:solidFill>
-              </a:rPr>
-              <a:t>Story Points</a:t>
-            </a:r>
-          </a:p>
-        </p:txBody>
-      </p:sp>
-      <p:sp>
-        <p:nvSpPr>
-          <p:cNvPr id="12" name="Rectangle 11"/>
-          <p:cNvSpPr/>
-          <p:nvPr/>
-        </p:nvSpPr>
-        <p:spPr>
-          <a:xfrm>
-            <a:off x="9426153" y="109410"/>
-            <a:ext cx="792000" cy="540000"/>
-          </a:xfrm>
-          <a:prstGeom prst="rect">
-            <a:avLst/>
-          </a:prstGeom>
-          <a:solidFill>
-            <a:schemeClr val="accent4">
-              <a:lumMod val="20000"/>
-              <a:lumOff val="80000"/>
-            </a:schemeClr>
-          </a:solidFill>
-          <a:ln>
-            <a:solidFill>
-              <a:schemeClr val="accent1">
-                <a:lumMod val="50000"/>
-              </a:schemeClr>
-            </a:solidFill>
-          </a:ln>
-        </p:spPr>
-        <p:style>
-          <a:lnRef idx="2">
-            <a:schemeClr val="accent1">
-              <a:shade val="50000"/>
-            </a:schemeClr>
-          </a:lnRef>
-          <a:fillRef idx="1">
-            <a:schemeClr val="accent1"/>
-          </a:fillRef>
-          <a:effectRef idx="0">
-            <a:schemeClr val="accent1"/>
-          </a:effectRef>
-          <a:fontRef idx="minor">
-            <a:schemeClr val="lt1"/>
-          </a:fontRef>
-        </p:style>
-        <p:txBody>
-          <a:bodyPr wrap="none" lIns="0" rIns="0" rtlCol="0" anchor="ctr"/>
-          <a:lstStyle/>
-          <a:p>
-            <a:pPr algn="ctr"/>
-            <a:r>
-              <a:rPr lang="en-AU" sz="2000" dirty="0">
-                <a:solidFill>
-                  <a:schemeClr val="tx1"/>
-                </a:solidFill>
-              </a:rPr>
-              <a:t>Priority</a:t>
-            </a:r>
-          </a:p>
-          <a:p>
-            <a:pPr algn="ctr"/>
-            <a:r>
-              <a:rPr lang="en-AU" sz="2000" dirty="0">
-                <a:solidFill>
-                  <a:schemeClr val="tx1"/>
-                </a:solidFill>
-              </a:rPr>
-              <a:t>M</a:t>
-            </a:r>
-          </a:p>
-        </p:txBody>
-      </p:sp>
-      <p:sp>
-        <p:nvSpPr>
-          <p:cNvPr id="13" name="Rectangle 12"/>
-          <p:cNvSpPr/>
-          <p:nvPr/>
-        </p:nvSpPr>
-        <p:spPr>
-          <a:xfrm>
-            <a:off x="1182153" y="5128590"/>
-            <a:ext cx="9828000" cy="1620000"/>
-          </a:xfrm>
-          <a:prstGeom prst="rect">
-            <a:avLst/>
-          </a:prstGeom>
-          <a:solidFill>
-            <a:schemeClr val="bg1"/>
-          </a:solidFill>
-          <a:ln>
-            <a:solidFill>
-              <a:schemeClr val="accent1">
-                <a:lumMod val="50000"/>
-              </a:schemeClr>
-            </a:solidFill>
-          </a:ln>
-        </p:spPr>
-        <p:style>
-          <a:lnRef idx="2">
-            <a:schemeClr val="accent1">
-              <a:shade val="50000"/>
-            </a:schemeClr>
-          </a:lnRef>
-          <a:fillRef idx="1">
-            <a:schemeClr val="accent1"/>
-          </a:fillRef>
-          <a:effectRef idx="0">
-            <a:schemeClr val="accent1"/>
-          </a:effectRef>
-          <a:fontRef idx="minor">
-            <a:schemeClr val="lt1"/>
-          </a:fontRef>
-        </p:style>
-        <p:txBody>
-          <a:bodyPr tIns="36000" rtlCol="0" anchor="t" anchorCtr="0"/>
-          <a:lstStyle/>
-          <a:p>
-            <a:r>
-              <a:rPr lang="en-AU" sz="2000" dirty="0">
-                <a:solidFill>
-                  <a:schemeClr val="tx1"/>
-                </a:solidFill>
-              </a:rPr>
-              <a:t>Notes</a:t>
-            </a:r>
-          </a:p>
-          <a:p>
-            <a:pPr marL="179388" indent="-179388">
-              <a:buFont typeface="Arial" pitchFamily="34" charset="0"/>
-              <a:buChar char="•"/>
-            </a:pPr>
-            <a:r>
-              <a:rPr lang="en-AU" sz="2000" dirty="0">
-                <a:solidFill>
-                  <a:schemeClr val="tx1"/>
-                </a:solidFill>
-              </a:rPr>
-              <a:t> Every resources will be shared.</a:t>
-            </a:r>
-          </a:p>
-        </p:txBody>
-      </p:sp>
-    </p:spTree>
-    <p:extLst>
-      <p:ext uri="{BB962C8B-B14F-4D97-AF65-F5344CB8AC3E}">
-        <p14:creationId xmlns:p14="http://schemas.microsoft.com/office/powerpoint/2010/main" val="2785621479"/>
-      </p:ext>
-    </p:extLst>
-  </p:cSld>
-  <p:clrMapOvr>
-    <a:masterClrMapping/>
-  </p:clrMapOvr>
-</p:sld>
-</file>
-
-<file path=ppt/slides/slide6.xml><?xml version="1.0" encoding="utf-8"?>
-<p:sld xmlns:a="http://schemas.openxmlformats.org/drawingml/2006/main" xmlns:r="http://schemas.openxmlformats.org/officeDocument/2006/relationships" xmlns:p="http://schemas.openxmlformats.org/presentationml/2006/main">
-  <p:cSld>
-    <p:spTree>
-      <p:nvGrpSpPr>
-        <p:cNvPr id="1" name=""/>
-        <p:cNvGrpSpPr/>
-        <p:nvPr/>
-      </p:nvGrpSpPr>
-      <p:grpSpPr>
-        <a:xfrm>
-          <a:off x="0" y="0"/>
-          <a:ext cx="0" cy="0"/>
-          <a:chOff x="0" y="0"/>
-          <a:chExt cx="0" cy="0"/>
-        </a:xfrm>
-      </p:grpSpPr>
-      <p:sp>
-        <p:nvSpPr>
-          <p:cNvPr id="4" name="Rectangle 3"/>
-          <p:cNvSpPr/>
-          <p:nvPr/>
-        </p:nvSpPr>
-        <p:spPr>
-          <a:xfrm>
-            <a:off x="1182153" y="109410"/>
-            <a:ext cx="720000" cy="540000"/>
-          </a:xfrm>
-          <a:prstGeom prst="rect">
-            <a:avLst/>
-          </a:prstGeom>
-          <a:solidFill>
-            <a:schemeClr val="accent1">
-              <a:lumMod val="40000"/>
-              <a:lumOff val="60000"/>
-            </a:schemeClr>
-          </a:solidFill>
-          <a:ln>
-            <a:solidFill>
-              <a:schemeClr val="accent1">
-                <a:lumMod val="50000"/>
-              </a:schemeClr>
-            </a:solidFill>
-          </a:ln>
-        </p:spPr>
-        <p:style>
-          <a:lnRef idx="2">
-            <a:schemeClr val="accent1">
-              <a:shade val="50000"/>
-            </a:schemeClr>
-          </a:lnRef>
-          <a:fillRef idx="1">
-            <a:schemeClr val="accent1"/>
-          </a:fillRef>
-          <a:effectRef idx="0">
-            <a:schemeClr val="accent1"/>
-          </a:effectRef>
-          <a:fontRef idx="minor">
-            <a:schemeClr val="lt1"/>
-          </a:fontRef>
-        </p:style>
-        <p:txBody>
-          <a:bodyPr wrap="square" lIns="0" rIns="0" rtlCol="0" anchor="ctr"/>
-          <a:lstStyle/>
-          <a:p>
-            <a:pPr algn="ctr"/>
-            <a:r>
-              <a:rPr lang="en-AU" sz="2000" dirty="0">
-                <a:solidFill>
-                  <a:schemeClr val="tx1"/>
-                </a:solidFill>
-              </a:rPr>
-              <a:t>Story ID 5</a:t>
-            </a:r>
-          </a:p>
-        </p:txBody>
-      </p:sp>
-      <p:sp>
-        <p:nvSpPr>
-          <p:cNvPr id="6" name="Rectangle 5"/>
-          <p:cNvSpPr/>
-          <p:nvPr/>
-        </p:nvSpPr>
-        <p:spPr>
-          <a:xfrm>
-            <a:off x="1974153" y="109410"/>
-            <a:ext cx="7380000" cy="540000"/>
-          </a:xfrm>
-          <a:prstGeom prst="rect">
-            <a:avLst/>
-          </a:prstGeom>
-          <a:ln>
-            <a:solidFill>
-              <a:schemeClr val="accent1">
-                <a:lumMod val="50000"/>
-              </a:schemeClr>
-            </a:solidFill>
-          </a:ln>
-        </p:spPr>
-        <p:style>
-          <a:lnRef idx="2">
-            <a:schemeClr val="accent1">
-              <a:shade val="50000"/>
-            </a:schemeClr>
-          </a:lnRef>
-          <a:fillRef idx="1">
-            <a:schemeClr val="accent1"/>
-          </a:fillRef>
-          <a:effectRef idx="0">
-            <a:schemeClr val="accent1"/>
-          </a:effectRef>
-          <a:fontRef idx="minor">
-            <a:schemeClr val="lt1"/>
-          </a:fontRef>
-        </p:style>
-        <p:txBody>
-          <a:bodyPr rtlCol="0" anchor="ctr"/>
-          <a:lstStyle/>
-          <a:p>
-            <a:pPr algn="ctr"/>
-            <a:r>
-              <a:rPr lang="en-AU" sz="2800" dirty="0"/>
-              <a:t>Meeting time</a:t>
-            </a:r>
-          </a:p>
-        </p:txBody>
-      </p:sp>
-      <p:sp>
-        <p:nvSpPr>
-          <p:cNvPr id="7" name="Rectangle 6"/>
-          <p:cNvSpPr/>
-          <p:nvPr/>
-        </p:nvSpPr>
-        <p:spPr>
-          <a:xfrm>
-            <a:off x="1182153" y="822470"/>
-            <a:ext cx="9828000" cy="2340000"/>
-          </a:xfrm>
-          <a:prstGeom prst="rect">
-            <a:avLst/>
-          </a:prstGeom>
-          <a:solidFill>
-            <a:schemeClr val="tx2">
-              <a:lumMod val="20000"/>
-              <a:lumOff val="80000"/>
-            </a:schemeClr>
-          </a:solidFill>
-          <a:ln>
-            <a:solidFill>
-              <a:schemeClr val="accent1">
-                <a:lumMod val="50000"/>
-              </a:schemeClr>
-            </a:solidFill>
-          </a:ln>
-        </p:spPr>
-        <p:style>
-          <a:lnRef idx="2">
-            <a:schemeClr val="accent1">
-              <a:shade val="50000"/>
-            </a:schemeClr>
-          </a:lnRef>
-          <a:fillRef idx="1">
-            <a:schemeClr val="accent1"/>
-          </a:fillRef>
-          <a:effectRef idx="0">
-            <a:schemeClr val="accent1"/>
-          </a:effectRef>
-          <a:fontRef idx="minor">
-            <a:schemeClr val="lt1"/>
-          </a:fontRef>
-        </p:style>
-        <p:txBody>
-          <a:bodyPr rtlCol="0" anchor="t" anchorCtr="0"/>
-          <a:lstStyle/>
-          <a:p>
-            <a:r>
-              <a:rPr lang="en-AU" altLang="ko-KR" sz="2400" dirty="0">
-                <a:solidFill>
-                  <a:schemeClr val="tx1"/>
-                </a:solidFill>
-              </a:rPr>
-              <a:t>As the industry partner, I want to be able to meet the development team periodically so that I can give feedback on the project.</a:t>
-            </a:r>
-            <a:endParaRPr lang="en-AU" sz="2400" dirty="0">
-              <a:solidFill>
-                <a:schemeClr val="tx1"/>
-              </a:solidFill>
-            </a:endParaRPr>
-          </a:p>
-        </p:txBody>
-      </p:sp>
-      <p:sp>
-        <p:nvSpPr>
-          <p:cNvPr id="8" name="Rectangle 7"/>
-          <p:cNvSpPr/>
-          <p:nvPr/>
-        </p:nvSpPr>
-        <p:spPr>
-          <a:xfrm>
-            <a:off x="1182153" y="3335530"/>
-            <a:ext cx="9828000" cy="1620000"/>
-          </a:xfrm>
-          <a:prstGeom prst="rect">
-            <a:avLst/>
-          </a:prstGeom>
-          <a:solidFill>
-            <a:schemeClr val="accent1">
-              <a:lumMod val="20000"/>
-              <a:lumOff val="80000"/>
-            </a:schemeClr>
-          </a:solidFill>
-          <a:ln>
-            <a:solidFill>
-              <a:schemeClr val="accent1">
-                <a:lumMod val="50000"/>
-              </a:schemeClr>
-            </a:solidFill>
-          </a:ln>
-        </p:spPr>
-        <p:style>
-          <a:lnRef idx="2">
-            <a:schemeClr val="accent1">
-              <a:shade val="50000"/>
-            </a:schemeClr>
-          </a:lnRef>
-          <a:fillRef idx="1">
-            <a:schemeClr val="accent1"/>
-          </a:fillRef>
-          <a:effectRef idx="0">
-            <a:schemeClr val="accent1"/>
-          </a:effectRef>
-          <a:fontRef idx="minor">
-            <a:schemeClr val="lt1"/>
-          </a:fontRef>
-        </p:style>
-        <p:txBody>
-          <a:bodyPr tIns="36000" rtlCol="0" anchor="t" anchorCtr="0"/>
-          <a:lstStyle/>
-          <a:p>
-            <a:r>
-              <a:rPr lang="en-AU" sz="2000" dirty="0">
-                <a:solidFill>
-                  <a:schemeClr val="tx1"/>
-                </a:solidFill>
-              </a:rPr>
-              <a:t>Acceptance Criteria</a:t>
-            </a:r>
-          </a:p>
-          <a:p>
-            <a:pPr marL="179388" indent="-179388">
-              <a:buFont typeface="Arial" pitchFamily="34" charset="0"/>
-              <a:buChar char="•"/>
-            </a:pPr>
-            <a:r>
-              <a:rPr lang="en-AU" sz="2000" dirty="0">
-                <a:solidFill>
-                  <a:schemeClr val="tx1"/>
-                </a:solidFill>
-              </a:rPr>
-              <a:t>Decide a space and time for meeting in advance.</a:t>
-            </a:r>
-          </a:p>
-          <a:p>
-            <a:pPr marL="179388" indent="-179388">
-              <a:buFont typeface="Arial" pitchFamily="34" charset="0"/>
-              <a:buChar char="•"/>
-            </a:pPr>
-            <a:endParaRPr lang="en-AU" sz="2000" dirty="0">
-              <a:solidFill>
-                <a:schemeClr val="tx1"/>
-              </a:solidFill>
-            </a:endParaRPr>
-          </a:p>
-        </p:txBody>
-      </p:sp>
-      <p:sp>
-        <p:nvSpPr>
-          <p:cNvPr id="11" name="Rectangle 10"/>
-          <p:cNvSpPr/>
-          <p:nvPr/>
-        </p:nvSpPr>
-        <p:spPr>
-          <a:xfrm>
-            <a:off x="10290153" y="109410"/>
-            <a:ext cx="720000" cy="540000"/>
-          </a:xfrm>
-          <a:prstGeom prst="rect">
-            <a:avLst/>
-          </a:prstGeom>
-          <a:solidFill>
-            <a:srgbClr val="CCF0CD">
-              <a:alpha val="20000"/>
-            </a:srgbClr>
-          </a:solidFill>
-          <a:ln>
-            <a:solidFill>
-              <a:schemeClr val="accent1">
-                <a:lumMod val="50000"/>
-              </a:schemeClr>
-            </a:solidFill>
-          </a:ln>
-        </p:spPr>
-        <p:style>
-          <a:lnRef idx="2">
-            <a:schemeClr val="accent1">
-              <a:shade val="50000"/>
-            </a:schemeClr>
-          </a:lnRef>
-          <a:fillRef idx="1">
-            <a:schemeClr val="accent1"/>
-          </a:fillRef>
-          <a:effectRef idx="0">
-            <a:schemeClr val="accent1"/>
-          </a:effectRef>
-          <a:fontRef idx="minor">
-            <a:schemeClr val="lt1"/>
-          </a:fontRef>
-        </p:style>
-        <p:txBody>
-          <a:bodyPr wrap="square" lIns="0" rIns="0" rtlCol="0" anchor="ctr"/>
-          <a:lstStyle/>
-          <a:p>
-            <a:pPr algn="ctr"/>
-            <a:r>
-              <a:rPr lang="en-AU" sz="2000" dirty="0">
-                <a:solidFill>
-                  <a:schemeClr val="tx1"/>
-                </a:solidFill>
-              </a:rPr>
-              <a:t>Story Points</a:t>
-            </a:r>
-          </a:p>
-        </p:txBody>
-      </p:sp>
-      <p:sp>
-        <p:nvSpPr>
-          <p:cNvPr id="12" name="Rectangle 11"/>
-          <p:cNvSpPr/>
-          <p:nvPr/>
-        </p:nvSpPr>
-        <p:spPr>
-          <a:xfrm>
-            <a:off x="9426153" y="109410"/>
-            <a:ext cx="792000" cy="540000"/>
-          </a:xfrm>
-          <a:prstGeom prst="rect">
-            <a:avLst/>
-          </a:prstGeom>
-          <a:solidFill>
-            <a:schemeClr val="accent4">
-              <a:lumMod val="20000"/>
-              <a:lumOff val="80000"/>
-            </a:schemeClr>
-          </a:solidFill>
-          <a:ln>
-            <a:solidFill>
-              <a:schemeClr val="accent1">
-                <a:lumMod val="50000"/>
-              </a:schemeClr>
-            </a:solidFill>
-          </a:ln>
-        </p:spPr>
-        <p:style>
-          <a:lnRef idx="2">
-            <a:schemeClr val="accent1">
-              <a:shade val="50000"/>
-            </a:schemeClr>
-          </a:lnRef>
-          <a:fillRef idx="1">
-            <a:schemeClr val="accent1"/>
-          </a:fillRef>
-          <a:effectRef idx="0">
-            <a:schemeClr val="accent1"/>
-          </a:effectRef>
-          <a:fontRef idx="minor">
-            <a:schemeClr val="lt1"/>
-          </a:fontRef>
-        </p:style>
-        <p:txBody>
-          <a:bodyPr wrap="none" lIns="0" rIns="0" rtlCol="0" anchor="ctr"/>
-          <a:lstStyle/>
-          <a:p>
-            <a:pPr algn="ctr"/>
-            <a:r>
-              <a:rPr lang="en-AU" sz="2000" dirty="0">
-                <a:solidFill>
-                  <a:schemeClr val="tx1"/>
-                </a:solidFill>
-              </a:rPr>
-              <a:t>Priority</a:t>
-            </a:r>
-          </a:p>
-          <a:p>
-            <a:pPr algn="ctr"/>
-            <a:r>
-              <a:rPr lang="en-AU" sz="2000" dirty="0">
-                <a:solidFill>
-                  <a:schemeClr val="tx1"/>
-                </a:solidFill>
-              </a:rPr>
-              <a:t>M</a:t>
-            </a:r>
-          </a:p>
-        </p:txBody>
-      </p:sp>
-      <p:sp>
-        <p:nvSpPr>
-          <p:cNvPr id="13" name="Rectangle 12"/>
-          <p:cNvSpPr/>
-          <p:nvPr/>
-        </p:nvSpPr>
-        <p:spPr>
-          <a:xfrm>
-            <a:off x="1182153" y="5128590"/>
-            <a:ext cx="9828000" cy="1620000"/>
-          </a:xfrm>
-          <a:prstGeom prst="rect">
-            <a:avLst/>
-          </a:prstGeom>
-          <a:solidFill>
-            <a:schemeClr val="bg1"/>
-          </a:solidFill>
-          <a:ln>
-            <a:solidFill>
-              <a:schemeClr val="accent1">
-                <a:lumMod val="50000"/>
-              </a:schemeClr>
-            </a:solidFill>
-          </a:ln>
-        </p:spPr>
-        <p:style>
-          <a:lnRef idx="2">
-            <a:schemeClr val="accent1">
-              <a:shade val="50000"/>
-            </a:schemeClr>
-          </a:lnRef>
-          <a:fillRef idx="1">
-            <a:schemeClr val="accent1"/>
-          </a:fillRef>
-          <a:effectRef idx="0">
-            <a:schemeClr val="accent1"/>
-          </a:effectRef>
-          <a:fontRef idx="minor">
-            <a:schemeClr val="lt1"/>
-          </a:fontRef>
-        </p:style>
-        <p:txBody>
-          <a:bodyPr tIns="36000" rtlCol="0" anchor="t" anchorCtr="0"/>
-          <a:lstStyle/>
-          <a:p>
-            <a:r>
-              <a:rPr lang="en-AU" sz="2000" dirty="0">
-                <a:solidFill>
-                  <a:schemeClr val="tx1"/>
-                </a:solidFill>
-              </a:rPr>
-              <a:t>Notes</a:t>
-            </a:r>
-          </a:p>
-          <a:p>
-            <a:pPr marL="179388" indent="-179388">
-              <a:buFont typeface="Arial" pitchFamily="34" charset="0"/>
-              <a:buChar char="•"/>
-            </a:pPr>
-            <a:r>
-              <a:rPr lang="en-AU" sz="2000" dirty="0">
-                <a:solidFill>
-                  <a:schemeClr val="tx1"/>
-                </a:solidFill>
-              </a:rPr>
-              <a:t> Can change a space and time for meeting.</a:t>
-            </a:r>
-          </a:p>
-        </p:txBody>
-      </p:sp>
-    </p:spTree>
-    <p:extLst>
-      <p:ext uri="{BB962C8B-B14F-4D97-AF65-F5344CB8AC3E}">
-        <p14:creationId xmlns:p14="http://schemas.microsoft.com/office/powerpoint/2010/main" val="2324621904"/>
+        <p14:creationId xmlns:p14="http://schemas.microsoft.com/office/powerpoint/2010/main" val="1227255159"/>
       </p:ext>
     </p:extLst>
   </p:cSld>
